--- a/ass4/presentation.pptx
+++ b/ass4/presentation.pptx
@@ -445,7 +445,7 @@
             <a:round/>
             <a:extLst>
               <a:ext uri="{C807C97D-BFC1-408E-A445-0C87EB9F89A2}">
-                <ask:lineSketchStyleProps xmlns:ask="http://schemas.microsoft.com/office/drawing/2018/sketchyshapes" xmlns="" sd="1219033472">
+                <ask:lineSketchStyleProps xmlns="" xmlns:ask="http://schemas.microsoft.com/office/drawing/2018/sketchyshapes" sd="1219033472">
                   <a:prstGeom prst="rect">
                     <a:avLst/>
                   </a:prstGeom>
@@ -622,7 +622,7 @@
             <a:fld id="{72345051-2045-45DA-935E-2E3CA1A69ADC}" type="datetimeFigureOut">
               <a:rPr lang="en-US" smtClean="0"/>
               <a:pPr/>
-              <a:t>3/15/2021</a:t>
+              <a:t>3/21/2021</a:t>
             </a:fld>
             <a:endParaRPr lang="en-US" dirty="0"/>
           </a:p>
@@ -822,7 +822,7 @@
             <a:fld id="{72345051-2045-45DA-935E-2E3CA1A69ADC}" type="datetimeFigureOut">
               <a:rPr lang="en-US" smtClean="0"/>
               <a:pPr/>
-              <a:t>3/15/2021</a:t>
+              <a:t>3/21/2021</a:t>
             </a:fld>
             <a:endParaRPr lang="en-US"/>
           </a:p>
@@ -1032,7 +1032,7 @@
             <a:fld id="{72345051-2045-45DA-935E-2E3CA1A69ADC}" type="datetimeFigureOut">
               <a:rPr lang="en-US" smtClean="0"/>
               <a:pPr/>
-              <a:t>3/15/2021</a:t>
+              <a:t>3/21/2021</a:t>
             </a:fld>
             <a:endParaRPr lang="en-US"/>
           </a:p>
@@ -1256,7 +1256,7 @@
             <a:fld id="{72345051-2045-45DA-935E-2E3CA1A69ADC}" type="datetimeFigureOut">
               <a:rPr lang="en-US" smtClean="0"/>
               <a:pPr/>
-              <a:t>3/15/2021</a:t>
+              <a:t>3/21/2021</a:t>
             </a:fld>
             <a:endParaRPr lang="en-US"/>
           </a:p>
@@ -1907,7 +1907,7 @@
             <a:round/>
             <a:extLst>
               <a:ext uri="{C807C97D-BFC1-408E-A445-0C87EB9F89A2}">
-                <ask:lineSketchStyleProps xmlns:ask="http://schemas.microsoft.com/office/drawing/2018/sketchyshapes" xmlns="" sd="1219033472">
+                <ask:lineSketchStyleProps xmlns="" xmlns:ask="http://schemas.microsoft.com/office/drawing/2018/sketchyshapes" sd="1219033472">
                   <a:prstGeom prst="rect">
                     <a:avLst/>
                   </a:prstGeom>
@@ -2169,7 +2169,7 @@
             <a:fld id="{72345051-2045-45DA-935E-2E3CA1A69ADC}" type="datetimeFigureOut">
               <a:rPr lang="en-US" smtClean="0"/>
               <a:pPr/>
-              <a:t>3/15/2021</a:t>
+              <a:t>3/21/2021</a:t>
             </a:fld>
             <a:endParaRPr lang="en-US"/>
           </a:p>
@@ -2525,7 +2525,7 @@
             <a:round/>
             <a:extLst>
               <a:ext uri="{C807C97D-BFC1-408E-A445-0C87EB9F89A2}">
-                <ask:lineSketchStyleProps xmlns:ask="http://schemas.microsoft.com/office/drawing/2018/sketchyshapes" xmlns="" sd="1219033472">
+                <ask:lineSketchStyleProps xmlns="" xmlns:ask="http://schemas.microsoft.com/office/drawing/2018/sketchyshapes" sd="1219033472">
                   <a:prstGeom prst="rect">
                     <a:avLst/>
                   </a:prstGeom>
@@ -2774,7 +2774,7 @@
             <a:fld id="{72345051-2045-45DA-935E-2E3CA1A69ADC}" type="datetimeFigureOut">
               <a:rPr lang="en-US" smtClean="0"/>
               <a:pPr/>
-              <a:t>3/15/2021</a:t>
+              <a:t>3/21/2021</a:t>
             </a:fld>
             <a:endParaRPr lang="en-US"/>
           </a:p>
@@ -3425,7 +3425,7 @@
             <a:round/>
             <a:extLst>
               <a:ext uri="{C807C97D-BFC1-408E-A445-0C87EB9F89A2}">
-                <ask:lineSketchStyleProps xmlns:ask="http://schemas.microsoft.com/office/drawing/2018/sketchyshapes" xmlns="" sd="1219033472">
+                <ask:lineSketchStyleProps xmlns="" xmlns:ask="http://schemas.microsoft.com/office/drawing/2018/sketchyshapes" sd="1219033472">
                   <a:prstGeom prst="rect">
                     <a:avLst/>
                   </a:prstGeom>
@@ -3824,7 +3824,7 @@
             <a:fld id="{72345051-2045-45DA-935E-2E3CA1A69ADC}" type="datetimeFigureOut">
               <a:rPr lang="en-US" smtClean="0"/>
               <a:pPr/>
-              <a:t>3/15/2021</a:t>
+              <a:t>3/21/2021</a:t>
             </a:fld>
             <a:endParaRPr lang="en-US"/>
           </a:p>
@@ -4475,7 +4475,7 @@
             <a:round/>
             <a:extLst>
               <a:ext uri="{C807C97D-BFC1-408E-A445-0C87EB9F89A2}">
-                <ask:lineSketchStyleProps xmlns:ask="http://schemas.microsoft.com/office/drawing/2018/sketchyshapes" xmlns="" sd="1219033472">
+                <ask:lineSketchStyleProps xmlns="" xmlns:ask="http://schemas.microsoft.com/office/drawing/2018/sketchyshapes" sd="1219033472">
                   <a:prstGeom prst="rect">
                     <a:avLst/>
                   </a:prstGeom>
@@ -4610,7 +4610,7 @@
             <a:fld id="{72345051-2045-45DA-935E-2E3CA1A69ADC}" type="datetimeFigureOut">
               <a:rPr lang="en-US" smtClean="0"/>
               <a:pPr/>
-              <a:t>3/15/2021</a:t>
+              <a:t>3/21/2021</a:t>
             </a:fld>
             <a:endParaRPr lang="en-US"/>
           </a:p>
@@ -4966,7 +4966,7 @@
             <a:round/>
             <a:extLst>
               <a:ext uri="{C807C97D-BFC1-408E-A445-0C87EB9F89A2}">
-                <ask:lineSketchStyleProps xmlns:ask="http://schemas.microsoft.com/office/drawing/2018/sketchyshapes" xmlns="" sd="1219033472">
+                <ask:lineSketchStyleProps xmlns="" xmlns:ask="http://schemas.microsoft.com/office/drawing/2018/sketchyshapes" sd="1219033472">
                   <a:prstGeom prst="rect">
                     <a:avLst/>
                   </a:prstGeom>
@@ -5061,7 +5061,7 @@
             <a:fld id="{72345051-2045-45DA-935E-2E3CA1A69ADC}" type="datetimeFigureOut">
               <a:rPr lang="en-US" smtClean="0"/>
               <a:pPr/>
-              <a:t>3/15/2021</a:t>
+              <a:t>3/21/2021</a:t>
             </a:fld>
             <a:endParaRPr lang="en-US"/>
           </a:p>
@@ -5380,7 +5380,7 @@
             <a:fld id="{72345051-2045-45DA-935E-2E3CA1A69ADC}" type="datetimeFigureOut">
               <a:rPr lang="en-US" smtClean="0"/>
               <a:pPr/>
-              <a:t>3/15/2021</a:t>
+              <a:t>3/21/2021</a:t>
             </a:fld>
             <a:endParaRPr lang="en-US"/>
           </a:p>
@@ -5736,7 +5736,7 @@
             <a:round/>
             <a:extLst>
               <a:ext uri="{C807C97D-BFC1-408E-A445-0C87EB9F89A2}">
-                <ask:lineSketchStyleProps xmlns:ask="http://schemas.microsoft.com/office/drawing/2018/sketchyshapes" xmlns="" sd="1219033472">
+                <ask:lineSketchStyleProps xmlns="" xmlns:ask="http://schemas.microsoft.com/office/drawing/2018/sketchyshapes" sd="1219033472">
                   <a:prstGeom prst="rect">
                     <a:avLst/>
                   </a:prstGeom>
@@ -6010,7 +6010,7 @@
             <a:fld id="{72345051-2045-45DA-935E-2E3CA1A69ADC}" type="datetimeFigureOut">
               <a:rPr lang="en-US" smtClean="0"/>
               <a:pPr/>
-              <a:t>3/15/2021</a:t>
+              <a:t>3/21/2021</a:t>
             </a:fld>
             <a:endParaRPr lang="en-US"/>
           </a:p>
@@ -6366,7 +6366,7 @@
             <a:round/>
             <a:extLst>
               <a:ext uri="{C807C97D-BFC1-408E-A445-0C87EB9F89A2}">
-                <ask:lineSketchStyleProps xmlns:ask="http://schemas.microsoft.com/office/drawing/2018/sketchyshapes" xmlns="" sd="1219033472">
+                <ask:lineSketchStyleProps xmlns="" xmlns:ask="http://schemas.microsoft.com/office/drawing/2018/sketchyshapes" sd="1219033472">
                   <a:prstGeom prst="rect">
                     <a:avLst/>
                   </a:prstGeom>
@@ -6585,7 +6585,7 @@
             <a:fld id="{72345051-2045-45DA-935E-2E3CA1A69ADC}" type="datetimeFigureOut">
               <a:rPr lang="en-US" smtClean="0"/>
               <a:pPr/>
-              <a:t>3/15/2021</a:t>
+              <a:t>3/21/2021</a:t>
             </a:fld>
             <a:endParaRPr lang="en-US" dirty="0"/>
           </a:p>
@@ -7699,7 +7699,7 @@
             <a:round/>
             <a:extLst>
               <a:ext uri="{C807C97D-BFC1-408E-A445-0C87EB9F89A2}">
-                <ask:lineSketchStyleProps xmlns:ask="http://schemas.microsoft.com/office/drawing/2018/sketchyshapes" xmlns="" sd="1219033472">
+                <ask:lineSketchStyleProps xmlns="" xmlns:ask="http://schemas.microsoft.com/office/drawing/2018/sketchyshapes" sd="1219033472">
                   <a:prstGeom prst="rect">
                     <a:avLst/>
                   </a:prstGeom>
@@ -7871,7 +7871,10 @@
               <a:buNone/>
             </a:pPr>
             <a:r>
-              <a:rPr lang="en-US" sz="3200" dirty="0"/>
+              <a:rPr lang="en-US" sz="3200" dirty="0">
+                <a:latin typeface="Arial" panose="020B0604020202020204" pitchFamily="34" charset="0"/>
+                <a:cs typeface="Arial" panose="020B0604020202020204" pitchFamily="34" charset="0"/>
+              </a:rPr>
               <a:t>The above problem can be solved by using Dynamic Programming also. but the most efficient way is the divide and conquer. We can conclude from our model that the running time of our algorithm is O(M*N). We have tested our Algorithm Theoretically and experimentally and both yielded similar results. the above problem can be solved by using Dynamic Programming also. but the most efficient way is the divide and conquer.</a:t>
             </a:r>
             <a:endParaRPr lang="en-IN" sz="3200" dirty="0">
@@ -7980,7 +7983,10 @@
               <a:buAutoNum type="arabicPeriod"/>
             </a:pPr>
             <a:r>
-              <a:rPr lang="en-US" sz="1600" dirty="0"/>
+              <a:rPr lang="en-US" sz="1600" dirty="0">
+                <a:latin typeface="Arial" panose="020B0604020202020204" pitchFamily="34" charset="0"/>
+                <a:cs typeface="Arial" panose="020B0604020202020204" pitchFamily="34" charset="0"/>
+              </a:rPr>
               <a:t>https://www.geeksforgeeks.org/ sequences-given-length-every-element-equal-twice-previous/ </a:t>
             </a:r>
           </a:p>
@@ -7990,12 +7996,15 @@
               <a:buAutoNum type="arabicPeriod"/>
             </a:pPr>
             <a:r>
-              <a:rPr lang="en-US" sz="1600" dirty="0"/>
+              <a:rPr lang="en-US" sz="1600" dirty="0">
+                <a:latin typeface="Arial" panose="020B0604020202020204" pitchFamily="34" charset="0"/>
+                <a:cs typeface="Arial" panose="020B0604020202020204" pitchFamily="34" charset="0"/>
+              </a:rPr>
               <a:t>https://tutorialspoint.dev/algorithm/ dynamic-programming-algorithms/ sequences-given-length-every-element-equal-twice-previous</a:t>
             </a:r>
             <a:endParaRPr lang="en-IN" sz="1600" u="sng" dirty="0">
-              <a:latin typeface="Times New Roman" panose="02020603050405020304" pitchFamily="18" charset="0"/>
-              <a:cs typeface="Times New Roman" panose="02020603050405020304" pitchFamily="18" charset="0"/>
+              <a:latin typeface="Arial" panose="020B0604020202020204" pitchFamily="34" charset="0"/>
+              <a:cs typeface="Arial" panose="020B0604020202020204" pitchFamily="34" charset="0"/>
             </a:endParaRPr>
           </a:p>
         </p:txBody>
@@ -8386,7 +8395,10 @@
           <a:lstStyle/>
           <a:p>
             <a:r>
-              <a:rPr lang="en-US" dirty="0"/>
+              <a:rPr lang="en-US" dirty="0">
+                <a:latin typeface="Arial" panose="020B0604020202020204" pitchFamily="34" charset="0"/>
+                <a:cs typeface="Arial" panose="020B0604020202020204" pitchFamily="34" charset="0"/>
+              </a:rPr>
               <a:t>In this report, we are going to discuss about the particular sequence of given length. We are given two integers m and n. We have to find the number of possible sequences of length n such that each of the next element is greater than or equal to twice of the previous element but less than or equal to m. There should be n elements and value of last element should be at-most m. we are dividing the problem into sub problems and again dividing that sub problem in sub problems basically we are using Divide and Conquer method.</a:t>
             </a:r>
             <a:endParaRPr lang="en-US" dirty="0">
@@ -8537,7 +8549,10 @@
               <a:t> T</a:t>
             </a:r>
             <a:r>
-              <a:rPr lang="en-US" sz="1600" dirty="0"/>
+              <a:rPr lang="en-US" sz="1600" dirty="0">
+                <a:latin typeface="Arial" panose="020B0604020202020204" pitchFamily="34" charset="0"/>
+                <a:cs typeface="Arial" panose="020B0604020202020204" pitchFamily="34" charset="0"/>
+              </a:rPr>
               <a:t>ake 2 numbers M and N as input from user .N is length of sequence and no other element in the sequence is greater than M . if M is present in the sequence then it is present only at the last position.</a:t>
             </a:r>
           </a:p>
@@ -8557,15 +8572,24 @@
               <a:t> C</a:t>
             </a:r>
             <a:r>
-              <a:rPr lang="en-US" sz="1600" dirty="0"/>
+              <a:rPr lang="en-US" sz="1600" dirty="0">
+                <a:latin typeface="Arial" panose="020B0604020202020204" pitchFamily="34" charset="0"/>
+                <a:cs typeface="Arial" panose="020B0604020202020204" pitchFamily="34" charset="0"/>
+              </a:rPr>
               <a:t>all the function: </a:t>
             </a:r>
             <a:r>
-              <a:rPr lang="en-US" sz="1600" dirty="0" err="1"/>
+              <a:rPr lang="en-US" sz="1600" dirty="0" err="1">
+                <a:latin typeface="Arial" panose="020B0604020202020204" pitchFamily="34" charset="0"/>
+                <a:cs typeface="Arial" panose="020B0604020202020204" pitchFamily="34" charset="0"/>
+              </a:rPr>
               <a:t>TotalNumberOfSequence</a:t>
             </a:r>
             <a:r>
-              <a:rPr lang="en-US" sz="1600" dirty="0"/>
+              <a:rPr lang="en-US" sz="1600" dirty="0">
+                <a:latin typeface="Arial" panose="020B0604020202020204" pitchFamily="34" charset="0"/>
+                <a:cs typeface="Arial" panose="020B0604020202020204" pitchFamily="34" charset="0"/>
+              </a:rPr>
               <a:t>(M, N) </a:t>
             </a:r>
           </a:p>
@@ -8585,7 +8609,10 @@
               <a:t> I</a:t>
             </a:r>
             <a:r>
-              <a:rPr lang="en-US" sz="1600" dirty="0"/>
+              <a:rPr lang="en-US" sz="1600" dirty="0">
+                <a:latin typeface="Arial" panose="020B0604020202020204" pitchFamily="34" charset="0"/>
+                <a:cs typeface="Arial" panose="020B0604020202020204" pitchFamily="34" charset="0"/>
+              </a:rPr>
               <a:t>n the function, check whether M is greater than N or not. If m is smaller than N then return 0, as n is more than the maximum value M. If N is 0, then the sequence is empty, Return 1.</a:t>
             </a:r>
           </a:p>
@@ -8605,7 +8632,10 @@
               <a:t> N</a:t>
             </a:r>
             <a:r>
-              <a:rPr lang="en-US" sz="1600" dirty="0"/>
+              <a:rPr lang="en-US" sz="1600" dirty="0">
+                <a:latin typeface="Arial" panose="020B0604020202020204" pitchFamily="34" charset="0"/>
+                <a:cs typeface="Arial" panose="020B0604020202020204" pitchFamily="34" charset="0"/>
+              </a:rPr>
               <a:t>ow there are 2 possibilities -</a:t>
             </a:r>
           </a:p>
@@ -8614,15 +8644,24 @@
               <a:buNone/>
             </a:pPr>
             <a:r>
-              <a:rPr lang="en-US" sz="1600" dirty="0"/>
+              <a:rPr lang="en-US" sz="1600" dirty="0">
+                <a:latin typeface="Arial" panose="020B0604020202020204" pitchFamily="34" charset="0"/>
+                <a:cs typeface="Arial" panose="020B0604020202020204" pitchFamily="34" charset="0"/>
+              </a:rPr>
               <a:t> a) Reduce last element value i.e. call the function </a:t>
             </a:r>
             <a:r>
-              <a:rPr lang="en-US" sz="1600" dirty="0" err="1"/>
+              <a:rPr lang="en-US" sz="1600" dirty="0" err="1">
+                <a:latin typeface="Arial" panose="020B0604020202020204" pitchFamily="34" charset="0"/>
+                <a:cs typeface="Arial" panose="020B0604020202020204" pitchFamily="34" charset="0"/>
+              </a:rPr>
               <a:t>TotalNumberOfSequence</a:t>
             </a:r>
             <a:r>
-              <a:rPr lang="en-US" sz="1600" dirty="0"/>
+              <a:rPr lang="en-US" sz="1600" dirty="0">
+                <a:latin typeface="Arial" panose="020B0604020202020204" pitchFamily="34" charset="0"/>
+                <a:cs typeface="Arial" panose="020B0604020202020204" pitchFamily="34" charset="0"/>
+              </a:rPr>
               <a:t>(M 1, n)</a:t>
             </a:r>
           </a:p>
@@ -8631,22 +8670,34 @@
               <a:buNone/>
             </a:pPr>
             <a:r>
-              <a:rPr lang="en-US" sz="1600" dirty="0"/>
+              <a:rPr lang="en-US" sz="1600" dirty="0">
+                <a:latin typeface="Arial" panose="020B0604020202020204" pitchFamily="34" charset="0"/>
+                <a:cs typeface="Arial" panose="020B0604020202020204" pitchFamily="34" charset="0"/>
+              </a:rPr>
               <a:t> b) Consider last element as M and reduce number of terms i.e. call the function </a:t>
             </a:r>
             <a:r>
-              <a:rPr lang="en-US" sz="1600" dirty="0" err="1"/>
+              <a:rPr lang="en-US" sz="1600" dirty="0" err="1">
+                <a:latin typeface="Arial" panose="020B0604020202020204" pitchFamily="34" charset="0"/>
+                <a:cs typeface="Arial" panose="020B0604020202020204" pitchFamily="34" charset="0"/>
+              </a:rPr>
               <a:t>TotalNumberOfSequence</a:t>
             </a:r>
             <a:r>
-              <a:rPr lang="en-US" sz="1600" dirty="0"/>
+              <a:rPr lang="en-US" sz="1600" dirty="0">
+                <a:latin typeface="Arial" panose="020B0604020202020204" pitchFamily="34" charset="0"/>
+                <a:cs typeface="Arial" panose="020B0604020202020204" pitchFamily="34" charset="0"/>
+              </a:rPr>
               <a:t>(M/2, N − 1)</a:t>
             </a:r>
           </a:p>
           <a:p>
             <a:pPr marL="0" indent="0"/>
             <a:r>
-              <a:rPr lang="en-US" sz="1600" dirty="0"/>
+              <a:rPr lang="en-US" sz="1600" dirty="0">
+                <a:latin typeface="Arial" panose="020B0604020202020204" pitchFamily="34" charset="0"/>
+                <a:cs typeface="Arial" panose="020B0604020202020204" pitchFamily="34" charset="0"/>
+              </a:rPr>
               <a:t> Print the total no of sequences</a:t>
             </a:r>
             <a:endParaRPr lang="en-US" sz="1600" dirty="0">
@@ -8761,31 +8812,52 @@
               <a:buNone/>
             </a:pPr>
             <a:r>
-              <a:rPr lang="en-US" sz="1800" dirty="0"/>
+              <a:rPr lang="en-US" sz="1800" dirty="0">
+                <a:latin typeface="Arial" panose="020B0604020202020204" pitchFamily="34" charset="0"/>
+                <a:cs typeface="Arial" panose="020B0604020202020204" pitchFamily="34" charset="0"/>
+              </a:rPr>
               <a:t>Function </a:t>
             </a:r>
             <a:r>
-              <a:rPr lang="en-US" sz="1800" dirty="0" err="1"/>
+              <a:rPr lang="en-US" sz="1800" dirty="0" err="1">
+                <a:latin typeface="Arial" panose="020B0604020202020204" pitchFamily="34" charset="0"/>
+                <a:cs typeface="Arial" panose="020B0604020202020204" pitchFamily="34" charset="0"/>
+              </a:rPr>
               <a:t>TotalSequences</a:t>
             </a:r>
             <a:r>
-              <a:rPr lang="en-US" sz="1800" dirty="0"/>
+              <a:rPr lang="en-US" sz="1800" dirty="0">
+                <a:latin typeface="Arial" panose="020B0604020202020204" pitchFamily="34" charset="0"/>
+                <a:cs typeface="Arial" panose="020B0604020202020204" pitchFamily="34" charset="0"/>
+              </a:rPr>
               <a:t>(</a:t>
             </a:r>
             <a:r>
-              <a:rPr lang="en-US" sz="1800" dirty="0" err="1"/>
+              <a:rPr lang="en-US" sz="1800" dirty="0" err="1">
+                <a:latin typeface="Arial" panose="020B0604020202020204" pitchFamily="34" charset="0"/>
+                <a:cs typeface="Arial" panose="020B0604020202020204" pitchFamily="34" charset="0"/>
+              </a:rPr>
               <a:t>int</a:t>
             </a:r>
             <a:r>
-              <a:rPr lang="en-US" sz="1800" dirty="0"/>
+              <a:rPr lang="en-US" sz="1800" dirty="0">
+                <a:latin typeface="Arial" panose="020B0604020202020204" pitchFamily="34" charset="0"/>
+                <a:cs typeface="Arial" panose="020B0604020202020204" pitchFamily="34" charset="0"/>
+              </a:rPr>
               <a:t> m, </a:t>
             </a:r>
             <a:r>
-              <a:rPr lang="en-US" sz="1800" dirty="0" err="1"/>
+              <a:rPr lang="en-US" sz="1800" dirty="0" err="1">
+                <a:latin typeface="Arial" panose="020B0604020202020204" pitchFamily="34" charset="0"/>
+                <a:cs typeface="Arial" panose="020B0604020202020204" pitchFamily="34" charset="0"/>
+              </a:rPr>
               <a:t>int</a:t>
             </a:r>
             <a:r>
-              <a:rPr lang="en-US" sz="1800" dirty="0"/>
+              <a:rPr lang="en-US" sz="1800" dirty="0">
+                <a:latin typeface="Arial" panose="020B0604020202020204" pitchFamily="34" charset="0"/>
+                <a:cs typeface="Arial" panose="020B0604020202020204" pitchFamily="34" charset="0"/>
+              </a:rPr>
               <a:t> n):</a:t>
             </a:r>
           </a:p>
@@ -8794,7 +8866,10 @@
               <a:buNone/>
             </a:pPr>
             <a:r>
-              <a:rPr lang="en-US" sz="1800" dirty="0"/>
+              <a:rPr lang="en-US" sz="1800" dirty="0">
+                <a:latin typeface="Arial" panose="020B0604020202020204" pitchFamily="34" charset="0"/>
+                <a:cs typeface="Arial" panose="020B0604020202020204" pitchFamily="34" charset="0"/>
+              </a:rPr>
               <a:t>if M &lt; N then </a:t>
             </a:r>
           </a:p>
@@ -8804,12 +8879,17 @@
             </a:pPr>
             <a:r>
               <a:rPr lang="en-US" sz="1800" dirty="0">
+                <a:latin typeface="Arial" panose="020B0604020202020204" pitchFamily="34" charset="0"/>
+                <a:cs typeface="Arial" panose="020B0604020202020204" pitchFamily="34" charset="0"/>
                 <a:sym typeface="Wingdings" pitchFamily="2" charset="2"/>
               </a:rPr>
               <a:t> </a:t>
             </a:r>
             <a:r>
-              <a:rPr lang="en-US" sz="1800" dirty="0"/>
+              <a:rPr lang="en-US" sz="1800" dirty="0">
+                <a:latin typeface="Arial" panose="020B0604020202020204" pitchFamily="34" charset="0"/>
+                <a:cs typeface="Arial" panose="020B0604020202020204" pitchFamily="34" charset="0"/>
+              </a:rPr>
               <a:t>return 0 </a:t>
             </a:r>
           </a:p>
@@ -8818,7 +8898,10 @@
               <a:buNone/>
             </a:pPr>
             <a:r>
-              <a:rPr lang="en-US" sz="1800" dirty="0"/>
+              <a:rPr lang="en-US" sz="1800" dirty="0">
+                <a:latin typeface="Arial" panose="020B0604020202020204" pitchFamily="34" charset="0"/>
+                <a:cs typeface="Arial" panose="020B0604020202020204" pitchFamily="34" charset="0"/>
+              </a:rPr>
               <a:t>if N == 0 then</a:t>
             </a:r>
           </a:p>
@@ -8828,7 +8911,10 @@
               <a:buChar char="à"/>
             </a:pPr>
             <a:r>
-              <a:rPr lang="en-US" sz="1800" dirty="0"/>
+              <a:rPr lang="en-US" sz="1800" dirty="0">
+                <a:latin typeface="Arial" panose="020B0604020202020204" pitchFamily="34" charset="0"/>
+                <a:cs typeface="Arial" panose="020B0604020202020204" pitchFamily="34" charset="0"/>
+              </a:rPr>
               <a:t>return 1</a:t>
             </a:r>
           </a:p>
@@ -8837,23 +8923,38 @@
               <a:buNone/>
             </a:pPr>
             <a:r>
-              <a:rPr lang="en-US" sz="1800" dirty="0"/>
+              <a:rPr lang="en-US" sz="1800" dirty="0">
+                <a:latin typeface="Arial" panose="020B0604020202020204" pitchFamily="34" charset="0"/>
+                <a:cs typeface="Arial" panose="020B0604020202020204" pitchFamily="34" charset="0"/>
+              </a:rPr>
               <a:t>return </a:t>
             </a:r>
             <a:r>
-              <a:rPr lang="en-US" sz="1800" dirty="0" err="1"/>
+              <a:rPr lang="en-US" sz="1800" dirty="0" err="1">
+                <a:latin typeface="Arial" panose="020B0604020202020204" pitchFamily="34" charset="0"/>
+                <a:cs typeface="Arial" panose="020B0604020202020204" pitchFamily="34" charset="0"/>
+              </a:rPr>
               <a:t>TotalSequences</a:t>
             </a:r>
             <a:r>
-              <a:rPr lang="en-US" sz="1800" dirty="0"/>
+              <a:rPr lang="en-US" sz="1800" dirty="0">
+                <a:latin typeface="Arial" panose="020B0604020202020204" pitchFamily="34" charset="0"/>
+                <a:cs typeface="Arial" panose="020B0604020202020204" pitchFamily="34" charset="0"/>
+              </a:rPr>
               <a:t> (M − 1, N) + </a:t>
             </a:r>
             <a:r>
-              <a:rPr lang="en-US" sz="1800" dirty="0" err="1"/>
+              <a:rPr lang="en-US" sz="1800" dirty="0" err="1">
+                <a:latin typeface="Arial" panose="020B0604020202020204" pitchFamily="34" charset="0"/>
+                <a:cs typeface="Arial" panose="020B0604020202020204" pitchFamily="34" charset="0"/>
+              </a:rPr>
               <a:t>TotalSequences</a:t>
             </a:r>
             <a:r>
-              <a:rPr lang="en-US" sz="1800" dirty="0"/>
+              <a:rPr lang="en-US" sz="1800" dirty="0">
+                <a:latin typeface="Arial" panose="020B0604020202020204" pitchFamily="34" charset="0"/>
+                <a:cs typeface="Arial" panose="020B0604020202020204" pitchFamily="34" charset="0"/>
+              </a:rPr>
               <a:t> (M/2, N − 1)</a:t>
             </a:r>
           </a:p>
@@ -8862,7 +8963,10 @@
               <a:buNone/>
             </a:pPr>
             <a:r>
-              <a:rPr lang="en-US" sz="1800" dirty="0"/>
+              <a:rPr lang="en-US" sz="1800" dirty="0">
+                <a:latin typeface="Arial" panose="020B0604020202020204" pitchFamily="34" charset="0"/>
+                <a:cs typeface="Arial" panose="020B0604020202020204" pitchFamily="34" charset="0"/>
+              </a:rPr>
               <a:t>Function Main(): </a:t>
             </a:r>
           </a:p>
@@ -8871,7 +8975,10 @@
               <a:buNone/>
             </a:pPr>
             <a:r>
-              <a:rPr lang="en-US" sz="1800" dirty="0"/>
+              <a:rPr lang="en-US" sz="1800" dirty="0">
+                <a:latin typeface="Arial" panose="020B0604020202020204" pitchFamily="34" charset="0"/>
+                <a:cs typeface="Arial" panose="020B0604020202020204" pitchFamily="34" charset="0"/>
+              </a:rPr>
               <a:t>Get M; </a:t>
             </a:r>
           </a:p>
@@ -8880,7 +8987,10 @@
               <a:buNone/>
             </a:pPr>
             <a:r>
-              <a:rPr lang="en-US" sz="1800" dirty="0"/>
+              <a:rPr lang="en-US" sz="1800" dirty="0">
+                <a:latin typeface="Arial" panose="020B0604020202020204" pitchFamily="34" charset="0"/>
+                <a:cs typeface="Arial" panose="020B0604020202020204" pitchFamily="34" charset="0"/>
+              </a:rPr>
               <a:t>Get N; </a:t>
             </a:r>
           </a:p>
@@ -8889,21 +8999,26 @@
               <a:buNone/>
             </a:pPr>
             <a:r>
-              <a:rPr lang="en-US" sz="1800" dirty="0"/>
+              <a:rPr lang="en-US" sz="1800" dirty="0">
+                <a:latin typeface="Arial" panose="020B0604020202020204" pitchFamily="34" charset="0"/>
+                <a:cs typeface="Arial" panose="020B0604020202020204" pitchFamily="34" charset="0"/>
+              </a:rPr>
               <a:t>Print (</a:t>
             </a:r>
             <a:r>
-              <a:rPr lang="en-US" sz="1800" dirty="0" err="1"/>
+              <a:rPr lang="en-US" sz="1800" dirty="0" err="1">
+                <a:latin typeface="Arial" panose="020B0604020202020204" pitchFamily="34" charset="0"/>
+                <a:cs typeface="Arial" panose="020B0604020202020204" pitchFamily="34" charset="0"/>
+              </a:rPr>
               <a:t>TotalSequences</a:t>
             </a:r>
             <a:r>
-              <a:rPr lang="en-US" sz="1800" dirty="0"/>
+              <a:rPr lang="en-US" sz="1800" dirty="0">
+                <a:latin typeface="Arial" panose="020B0604020202020204" pitchFamily="34" charset="0"/>
+                <a:cs typeface="Arial" panose="020B0604020202020204" pitchFamily="34" charset="0"/>
+              </a:rPr>
               <a:t>(M, N))  </a:t>
             </a:r>
-            <a:endParaRPr lang="en-US" sz="1800" dirty="0">
-              <a:latin typeface="Arial" panose="020B0604020202020204" pitchFamily="34" charset="0"/>
-              <a:cs typeface="Arial" panose="020B0604020202020204" pitchFamily="34" charset="0"/>
-            </a:endParaRPr>
           </a:p>
         </p:txBody>
       </p:sp>
@@ -9112,31 +9227,52 @@
               <a:buNone/>
             </a:pPr>
             <a:r>
-              <a:rPr lang="en-US" sz="1100" dirty="0"/>
+              <a:rPr lang="en-US" sz="1100" dirty="0">
+                <a:latin typeface="Arial" panose="020B0604020202020204" pitchFamily="34" charset="0"/>
+                <a:cs typeface="Arial" panose="020B0604020202020204" pitchFamily="34" charset="0"/>
+              </a:rPr>
               <a:t>Function </a:t>
             </a:r>
             <a:r>
-              <a:rPr lang="en-US" sz="1100" dirty="0" err="1"/>
+              <a:rPr lang="en-US" sz="1100" dirty="0" err="1">
+                <a:latin typeface="Arial" panose="020B0604020202020204" pitchFamily="34" charset="0"/>
+                <a:cs typeface="Arial" panose="020B0604020202020204" pitchFamily="34" charset="0"/>
+              </a:rPr>
               <a:t>TotalSequences</a:t>
             </a:r>
             <a:r>
-              <a:rPr lang="en-US" sz="1100" dirty="0"/>
+              <a:rPr lang="en-US" sz="1100" dirty="0">
+                <a:latin typeface="Arial" panose="020B0604020202020204" pitchFamily="34" charset="0"/>
+                <a:cs typeface="Arial" panose="020B0604020202020204" pitchFamily="34" charset="0"/>
+              </a:rPr>
               <a:t>(</a:t>
             </a:r>
             <a:r>
-              <a:rPr lang="en-US" sz="1100" dirty="0" err="1"/>
+              <a:rPr lang="en-US" sz="1100" dirty="0" err="1">
+                <a:latin typeface="Arial" panose="020B0604020202020204" pitchFamily="34" charset="0"/>
+                <a:cs typeface="Arial" panose="020B0604020202020204" pitchFamily="34" charset="0"/>
+              </a:rPr>
               <a:t>int</a:t>
             </a:r>
             <a:r>
-              <a:rPr lang="en-US" sz="1100" dirty="0"/>
+              <a:rPr lang="en-US" sz="1100" dirty="0">
+                <a:latin typeface="Arial" panose="020B0604020202020204" pitchFamily="34" charset="0"/>
+                <a:cs typeface="Arial" panose="020B0604020202020204" pitchFamily="34" charset="0"/>
+              </a:rPr>
               <a:t> M, </a:t>
             </a:r>
             <a:r>
-              <a:rPr lang="en-US" sz="1100" dirty="0" err="1"/>
+              <a:rPr lang="en-US" sz="1100" dirty="0" err="1">
+                <a:latin typeface="Arial" panose="020B0604020202020204" pitchFamily="34" charset="0"/>
+                <a:cs typeface="Arial" panose="020B0604020202020204" pitchFamily="34" charset="0"/>
+              </a:rPr>
               <a:t>int</a:t>
             </a:r>
             <a:r>
-              <a:rPr lang="en-US" sz="1100" dirty="0"/>
+              <a:rPr lang="en-US" sz="1100" dirty="0">
+                <a:latin typeface="Arial" panose="020B0604020202020204" pitchFamily="34" charset="0"/>
+                <a:cs typeface="Arial" panose="020B0604020202020204" pitchFamily="34" charset="0"/>
+              </a:rPr>
               <a:t> N):</a:t>
             </a:r>
           </a:p>
@@ -9145,11 +9281,17 @@
               <a:buNone/>
             </a:pPr>
             <a:r>
-              <a:rPr lang="en-US" sz="1100" dirty="0" err="1"/>
+              <a:rPr lang="en-US" sz="1100" dirty="0" err="1">
+                <a:latin typeface="Arial" panose="020B0604020202020204" pitchFamily="34" charset="0"/>
+                <a:cs typeface="Arial" panose="020B0604020202020204" pitchFamily="34" charset="0"/>
+              </a:rPr>
               <a:t>int</a:t>
             </a:r>
             <a:r>
-              <a:rPr lang="en-US" sz="1100" dirty="0"/>
+              <a:rPr lang="en-US" sz="1100" dirty="0">
+                <a:latin typeface="Arial" panose="020B0604020202020204" pitchFamily="34" charset="0"/>
+                <a:cs typeface="Arial" panose="020B0604020202020204" pitchFamily="34" charset="0"/>
+              </a:rPr>
               <a:t> DP[M+1][N+1];</a:t>
             </a:r>
           </a:p>
@@ -9158,25 +9300,39 @@
               <a:buNone/>
             </a:pPr>
             <a:r>
-              <a:rPr lang="en-US" sz="1100" dirty="0"/>
+              <a:rPr lang="en-US" sz="1100" dirty="0">
+                <a:latin typeface="Arial" panose="020B0604020202020204" pitchFamily="34" charset="0"/>
+                <a:cs typeface="Arial" panose="020B0604020202020204" pitchFamily="34" charset="0"/>
+              </a:rPr>
               <a:t>for </a:t>
             </a:r>
             <a:r>
-              <a:rPr lang="en-US" sz="1100" dirty="0" err="1"/>
+              <a:rPr lang="en-US" sz="1100" dirty="0" err="1">
+                <a:latin typeface="Arial" panose="020B0604020202020204" pitchFamily="34" charset="0"/>
+                <a:cs typeface="Arial" panose="020B0604020202020204" pitchFamily="34" charset="0"/>
+              </a:rPr>
               <a:t>i</a:t>
             </a:r>
             <a:r>
-              <a:rPr lang="en-US" sz="1100" dirty="0"/>
+              <a:rPr lang="en-US" sz="1100" dirty="0">
+                <a:latin typeface="Arial" panose="020B0604020202020204" pitchFamily="34" charset="0"/>
+                <a:cs typeface="Arial" panose="020B0604020202020204" pitchFamily="34" charset="0"/>
+              </a:rPr>
               <a:t> </a:t>
             </a:r>
             <a:r>
               <a:rPr lang="en-US" sz="1100" dirty="0">
+                <a:latin typeface="Arial" panose="020B0604020202020204" pitchFamily="34" charset="0"/>
+                <a:cs typeface="Arial" panose="020B0604020202020204" pitchFamily="34" charset="0"/>
                 <a:sym typeface="Wingdings" pitchFamily="2" charset="2"/>
               </a:rPr>
               <a:t> 0</a:t>
             </a:r>
             <a:r>
-              <a:rPr lang="en-US" sz="1100" dirty="0"/>
+              <a:rPr lang="en-US" sz="1100" dirty="0">
+                <a:latin typeface="Arial" panose="020B0604020202020204" pitchFamily="34" charset="0"/>
+                <a:cs typeface="Arial" panose="020B0604020202020204" pitchFamily="34" charset="0"/>
+              </a:rPr>
               <a:t> to M do</a:t>
             </a:r>
           </a:p>
@@ -9185,17 +9341,25 @@
               <a:buNone/>
             </a:pPr>
             <a:r>
-              <a:rPr lang="en-US" sz="1100" dirty="0"/>
+              <a:rPr lang="en-US" sz="1100" dirty="0">
+                <a:latin typeface="Arial" panose="020B0604020202020204" pitchFamily="34" charset="0"/>
+                <a:cs typeface="Arial" panose="020B0604020202020204" pitchFamily="34" charset="0"/>
+              </a:rPr>
               <a:t>    for j </a:t>
             </a:r>
             <a:r>
               <a:rPr lang="en-US" sz="1100" dirty="0">
+                <a:latin typeface="Arial" panose="020B0604020202020204" pitchFamily="34" charset="0"/>
+                <a:cs typeface="Arial" panose="020B0604020202020204" pitchFamily="34" charset="0"/>
                 <a:sym typeface="Wingdings" pitchFamily="2" charset="2"/>
               </a:rPr>
               <a:t> </a:t>
             </a:r>
             <a:r>
-              <a:rPr lang="en-US" sz="1100" dirty="0"/>
+              <a:rPr lang="en-US" sz="1100" dirty="0">
+                <a:latin typeface="Arial" panose="020B0604020202020204" pitchFamily="34" charset="0"/>
+                <a:cs typeface="Arial" panose="020B0604020202020204" pitchFamily="34" charset="0"/>
+              </a:rPr>
               <a:t>0 to N do</a:t>
             </a:r>
           </a:p>
@@ -9204,15 +9368,24 @@
               <a:buNone/>
             </a:pPr>
             <a:r>
-              <a:rPr lang="en-US" sz="1100" dirty="0"/>
+              <a:rPr lang="en-US" sz="1100" dirty="0">
+                <a:latin typeface="Arial" panose="020B0604020202020204" pitchFamily="34" charset="0"/>
+                <a:cs typeface="Arial" panose="020B0604020202020204" pitchFamily="34" charset="0"/>
+              </a:rPr>
               <a:t>        if (</a:t>
             </a:r>
             <a:r>
-              <a:rPr lang="en-US" sz="1100" dirty="0" err="1"/>
+              <a:rPr lang="en-US" sz="1100" dirty="0" err="1">
+                <a:latin typeface="Arial" panose="020B0604020202020204" pitchFamily="34" charset="0"/>
+                <a:cs typeface="Arial" panose="020B0604020202020204" pitchFamily="34" charset="0"/>
+              </a:rPr>
               <a:t>i</a:t>
             </a:r>
             <a:r>
-              <a:rPr lang="en-US" sz="1100" dirty="0"/>
+              <a:rPr lang="en-US" sz="1100" dirty="0">
+                <a:latin typeface="Arial" panose="020B0604020202020204" pitchFamily="34" charset="0"/>
+                <a:cs typeface="Arial" panose="020B0604020202020204" pitchFamily="34" charset="0"/>
+              </a:rPr>
               <a:t>==0 || j==0)</a:t>
             </a:r>
           </a:p>
@@ -9221,15 +9394,24 @@
               <a:buNone/>
             </a:pPr>
             <a:r>
-              <a:rPr lang="en-US" sz="1100" dirty="0"/>
+              <a:rPr lang="en-US" sz="1100" dirty="0">
+                <a:latin typeface="Arial" panose="020B0604020202020204" pitchFamily="34" charset="0"/>
+                <a:cs typeface="Arial" panose="020B0604020202020204" pitchFamily="34" charset="0"/>
+              </a:rPr>
               <a:t>        then DP[</a:t>
             </a:r>
             <a:r>
-              <a:rPr lang="en-US" sz="1100" dirty="0" err="1"/>
+              <a:rPr lang="en-US" sz="1100" dirty="0" err="1">
+                <a:latin typeface="Arial" panose="020B0604020202020204" pitchFamily="34" charset="0"/>
+                <a:cs typeface="Arial" panose="020B0604020202020204" pitchFamily="34" charset="0"/>
+              </a:rPr>
               <a:t>i</a:t>
             </a:r>
             <a:r>
-              <a:rPr lang="en-US" sz="1100" dirty="0"/>
+              <a:rPr lang="en-US" sz="1100" dirty="0">
+                <a:latin typeface="Arial" panose="020B0604020202020204" pitchFamily="34" charset="0"/>
+                <a:cs typeface="Arial" panose="020B0604020202020204" pitchFamily="34" charset="0"/>
+              </a:rPr>
               <a:t>][j] = 0;</a:t>
             </a:r>
           </a:p>
@@ -9238,15 +9420,24 @@
               <a:buNone/>
             </a:pPr>
             <a:r>
-              <a:rPr lang="en-US" sz="1100" dirty="0"/>
+              <a:rPr lang="en-US" sz="1100" dirty="0">
+                <a:latin typeface="Arial" panose="020B0604020202020204" pitchFamily="34" charset="0"/>
+                <a:cs typeface="Arial" panose="020B0604020202020204" pitchFamily="34" charset="0"/>
+              </a:rPr>
               <a:t>        else if </a:t>
             </a:r>
             <a:r>
-              <a:rPr lang="en-US" sz="1100" dirty="0" err="1"/>
+              <a:rPr lang="en-US" sz="1100" dirty="0" err="1">
+                <a:latin typeface="Arial" panose="020B0604020202020204" pitchFamily="34" charset="0"/>
+                <a:cs typeface="Arial" panose="020B0604020202020204" pitchFamily="34" charset="0"/>
+              </a:rPr>
               <a:t>i</a:t>
             </a:r>
             <a:r>
-              <a:rPr lang="en-US" sz="1100" dirty="0"/>
+              <a:rPr lang="en-US" sz="1100" dirty="0">
+                <a:latin typeface="Arial" panose="020B0604020202020204" pitchFamily="34" charset="0"/>
+                <a:cs typeface="Arial" panose="020B0604020202020204" pitchFamily="34" charset="0"/>
+              </a:rPr>
               <a:t> &lt; j</a:t>
             </a:r>
           </a:p>
@@ -9255,15 +9446,24 @@
               <a:buNone/>
             </a:pPr>
             <a:r>
-              <a:rPr lang="en-US" sz="1100" dirty="0"/>
+              <a:rPr lang="en-US" sz="1100" dirty="0">
+                <a:latin typeface="Arial" panose="020B0604020202020204" pitchFamily="34" charset="0"/>
+                <a:cs typeface="Arial" panose="020B0604020202020204" pitchFamily="34" charset="0"/>
+              </a:rPr>
               <a:t>        then DP[</a:t>
             </a:r>
             <a:r>
-              <a:rPr lang="en-US" sz="1100" dirty="0" err="1"/>
+              <a:rPr lang="en-US" sz="1100" dirty="0" err="1">
+                <a:latin typeface="Arial" panose="020B0604020202020204" pitchFamily="34" charset="0"/>
+                <a:cs typeface="Arial" panose="020B0604020202020204" pitchFamily="34" charset="0"/>
+              </a:rPr>
               <a:t>i</a:t>
             </a:r>
             <a:r>
-              <a:rPr lang="en-US" sz="1100" dirty="0"/>
+              <a:rPr lang="en-US" sz="1100" dirty="0">
+                <a:latin typeface="Arial" panose="020B0604020202020204" pitchFamily="34" charset="0"/>
+                <a:cs typeface="Arial" panose="020B0604020202020204" pitchFamily="34" charset="0"/>
+              </a:rPr>
               <a:t>][j] = 0;</a:t>
             </a:r>
           </a:p>
@@ -9272,7 +9472,10 @@
               <a:buNone/>
             </a:pPr>
             <a:r>
-              <a:rPr lang="en-US" sz="1100" dirty="0"/>
+              <a:rPr lang="en-US" sz="1100" dirty="0">
+                <a:latin typeface="Arial" panose="020B0604020202020204" pitchFamily="34" charset="0"/>
+                <a:cs typeface="Arial" panose="020B0604020202020204" pitchFamily="34" charset="0"/>
+              </a:rPr>
               <a:t>        else if j == 1</a:t>
             </a:r>
           </a:p>
@@ -9281,23 +9484,38 @@
               <a:buNone/>
             </a:pPr>
             <a:r>
-              <a:rPr lang="en-US" sz="1100" dirty="0"/>
+              <a:rPr lang="en-US" sz="1100" dirty="0">
+                <a:latin typeface="Arial" panose="020B0604020202020204" pitchFamily="34" charset="0"/>
+                <a:cs typeface="Arial" panose="020B0604020202020204" pitchFamily="34" charset="0"/>
+              </a:rPr>
               <a:t>        then DP[</a:t>
             </a:r>
             <a:r>
-              <a:rPr lang="en-US" sz="1100" dirty="0" err="1"/>
+              <a:rPr lang="en-US" sz="1100" dirty="0" err="1">
+                <a:latin typeface="Arial" panose="020B0604020202020204" pitchFamily="34" charset="0"/>
+                <a:cs typeface="Arial" panose="020B0604020202020204" pitchFamily="34" charset="0"/>
+              </a:rPr>
               <a:t>i</a:t>
             </a:r>
             <a:r>
-              <a:rPr lang="en-US" sz="1100" dirty="0"/>
+              <a:rPr lang="en-US" sz="1100" dirty="0">
+                <a:latin typeface="Arial" panose="020B0604020202020204" pitchFamily="34" charset="0"/>
+                <a:cs typeface="Arial" panose="020B0604020202020204" pitchFamily="34" charset="0"/>
+              </a:rPr>
               <a:t>][j] = </a:t>
             </a:r>
             <a:r>
-              <a:rPr lang="en-US" sz="1100" dirty="0" err="1"/>
+              <a:rPr lang="en-US" sz="1100" dirty="0" err="1">
+                <a:latin typeface="Arial" panose="020B0604020202020204" pitchFamily="34" charset="0"/>
+                <a:cs typeface="Arial" panose="020B0604020202020204" pitchFamily="34" charset="0"/>
+              </a:rPr>
               <a:t>i</a:t>
             </a:r>
             <a:r>
-              <a:rPr lang="en-US" sz="1100" dirty="0"/>
+              <a:rPr lang="en-US" sz="1100" dirty="0">
+                <a:latin typeface="Arial" panose="020B0604020202020204" pitchFamily="34" charset="0"/>
+                <a:cs typeface="Arial" panose="020B0604020202020204" pitchFamily="34" charset="0"/>
+              </a:rPr>
               <a:t>;  </a:t>
             </a:r>
           </a:p>
@@ -9306,7 +9524,10 @@
               <a:buNone/>
             </a:pPr>
             <a:r>
-              <a:rPr lang="en-US" sz="1100" dirty="0"/>
+              <a:rPr lang="en-US" sz="1100" dirty="0">
+                <a:latin typeface="Arial" panose="020B0604020202020204" pitchFamily="34" charset="0"/>
+                <a:cs typeface="Arial" panose="020B0604020202020204" pitchFamily="34" charset="0"/>
+              </a:rPr>
               <a:t>        else</a:t>
             </a:r>
           </a:p>
@@ -9315,23 +9536,38 @@
               <a:buNone/>
             </a:pPr>
             <a:r>
-              <a:rPr lang="en-US" sz="1100" dirty="0"/>
+              <a:rPr lang="en-US" sz="1100" dirty="0">
+                <a:latin typeface="Arial" panose="020B0604020202020204" pitchFamily="34" charset="0"/>
+                <a:cs typeface="Arial" panose="020B0604020202020204" pitchFamily="34" charset="0"/>
+              </a:rPr>
               <a:t>        DP[</a:t>
             </a:r>
             <a:r>
-              <a:rPr lang="en-US" sz="1100" dirty="0" err="1"/>
+              <a:rPr lang="en-US" sz="1100" dirty="0" err="1">
+                <a:latin typeface="Arial" panose="020B0604020202020204" pitchFamily="34" charset="0"/>
+                <a:cs typeface="Arial" panose="020B0604020202020204" pitchFamily="34" charset="0"/>
+              </a:rPr>
               <a:t>i</a:t>
             </a:r>
             <a:r>
-              <a:rPr lang="en-US" sz="1100" dirty="0"/>
+              <a:rPr lang="en-US" sz="1100" dirty="0">
+                <a:latin typeface="Arial" panose="020B0604020202020204" pitchFamily="34" charset="0"/>
+                <a:cs typeface="Arial" panose="020B0604020202020204" pitchFamily="34" charset="0"/>
+              </a:rPr>
               <a:t>][j] = DP[i-1][j] + DP[</a:t>
             </a:r>
             <a:r>
-              <a:rPr lang="en-US" sz="1100" dirty="0" err="1"/>
+              <a:rPr lang="en-US" sz="1100" dirty="0" err="1">
+                <a:latin typeface="Arial" panose="020B0604020202020204" pitchFamily="34" charset="0"/>
+                <a:cs typeface="Arial" panose="020B0604020202020204" pitchFamily="34" charset="0"/>
+              </a:rPr>
               <a:t>i</a:t>
             </a:r>
             <a:r>
-              <a:rPr lang="en-US" sz="1100" dirty="0"/>
+              <a:rPr lang="en-US" sz="1100" dirty="0">
+                <a:latin typeface="Arial" panose="020B0604020202020204" pitchFamily="34" charset="0"/>
+                <a:cs typeface="Arial" panose="020B0604020202020204" pitchFamily="34" charset="0"/>
+              </a:rPr>
               <a:t>/2][j-1];</a:t>
             </a:r>
           </a:p>
@@ -9340,7 +9576,10 @@
               <a:buNone/>
             </a:pPr>
             <a:r>
-              <a:rPr lang="en-US" sz="1100" dirty="0"/>
+              <a:rPr lang="en-US" sz="1100" dirty="0">
+                <a:latin typeface="Arial" panose="020B0604020202020204" pitchFamily="34" charset="0"/>
+                <a:cs typeface="Arial" panose="020B0604020202020204" pitchFamily="34" charset="0"/>
+              </a:rPr>
               <a:t>return DP[M][N];</a:t>
             </a:r>
           </a:p>
@@ -9349,7 +9588,10 @@
               <a:buNone/>
             </a:pPr>
             <a:r>
-              <a:rPr lang="en-US" sz="1100" dirty="0"/>
+              <a:rPr lang="en-US" sz="1100" dirty="0">
+                <a:latin typeface="Arial" panose="020B0604020202020204" pitchFamily="34" charset="0"/>
+                <a:cs typeface="Arial" panose="020B0604020202020204" pitchFamily="34" charset="0"/>
+              </a:rPr>
               <a:t>Function Main(): </a:t>
             </a:r>
           </a:p>
@@ -9358,7 +9600,10 @@
               <a:buNone/>
             </a:pPr>
             <a:r>
-              <a:rPr lang="en-US" sz="1100" dirty="0"/>
+              <a:rPr lang="en-US" sz="1100" dirty="0">
+                <a:latin typeface="Arial" panose="020B0604020202020204" pitchFamily="34" charset="0"/>
+                <a:cs typeface="Arial" panose="020B0604020202020204" pitchFamily="34" charset="0"/>
+              </a:rPr>
               <a:t>Get M; Get N;</a:t>
             </a:r>
           </a:p>
@@ -9367,21 +9612,26 @@
               <a:buNone/>
             </a:pPr>
             <a:r>
-              <a:rPr lang="en-US" sz="1100" dirty="0"/>
+              <a:rPr lang="en-US" sz="1100" dirty="0">
+                <a:latin typeface="Arial" panose="020B0604020202020204" pitchFamily="34" charset="0"/>
+                <a:cs typeface="Arial" panose="020B0604020202020204" pitchFamily="34" charset="0"/>
+              </a:rPr>
               <a:t>Print (</a:t>
             </a:r>
             <a:r>
-              <a:rPr lang="en-US" sz="1100" dirty="0" err="1"/>
+              <a:rPr lang="en-US" sz="1100" dirty="0" err="1">
+                <a:latin typeface="Arial" panose="020B0604020202020204" pitchFamily="34" charset="0"/>
+                <a:cs typeface="Arial" panose="020B0604020202020204" pitchFamily="34" charset="0"/>
+              </a:rPr>
               <a:t>TotalSequences</a:t>
             </a:r>
             <a:r>
-              <a:rPr lang="en-US" sz="1100" dirty="0"/>
+              <a:rPr lang="en-US" sz="1100" dirty="0">
+                <a:latin typeface="Arial" panose="020B0604020202020204" pitchFamily="34" charset="0"/>
+                <a:cs typeface="Arial" panose="020B0604020202020204" pitchFamily="34" charset="0"/>
+              </a:rPr>
               <a:t>(M, N))</a:t>
             </a:r>
-            <a:endParaRPr lang="en-US" sz="1100" dirty="0">
-              <a:latin typeface="Arial" panose="020B0604020202020204" pitchFamily="34" charset="0"/>
-              <a:cs typeface="Arial" panose="020B0604020202020204" pitchFamily="34" charset="0"/>
-            </a:endParaRPr>
           </a:p>
         </p:txBody>
       </p:sp>
@@ -9536,7 +9786,10 @@
               <a:buNone/>
             </a:pPr>
             <a:r>
-              <a:rPr lang="en-US" sz="2000" dirty="0"/>
+              <a:rPr lang="en-US" sz="2000" dirty="0">
+                <a:latin typeface="Arial" panose="020B0604020202020204" pitchFamily="34" charset="0"/>
+                <a:cs typeface="Arial" panose="020B0604020202020204" pitchFamily="34" charset="0"/>
+              </a:rPr>
               <a:t>The total number of sequences is the sum of the number of sequences including m and the number of sequences where m is not included. Thus the original problem of finding number of sequences of length N with max value M can be subdivided into independent sub-problems of finding number of sequences of length n with max value M − 1 and number of sequences of length N − 1 with max value M/2. </a:t>
             </a:r>
             <a:endParaRPr lang="en-IN" sz="2000" dirty="0">
